--- a/12. Géza fejedelemsége és Szent István államszervező tevékenysége.pptx
+++ b/12. Géza fejedelemsége és Szent István államszervező tevékenysége.pptx
@@ -264,7 +264,7 @@
           <a:p>
             <a:fld id="{FAFE99D3-01DF-412E-A391-2E4028D344DC}" type="datetimeFigureOut">
               <a:rPr lang="hu-HU" smtClean="0"/>
-              <a:t>2024. 03. 06.</a:t>
+              <a:t>2024. 03. 07.</a:t>
             </a:fld>
             <a:endParaRPr lang="hu-HU"/>
           </a:p>
@@ -462,7 +462,7 @@
           <a:p>
             <a:fld id="{FAFE99D3-01DF-412E-A391-2E4028D344DC}" type="datetimeFigureOut">
               <a:rPr lang="hu-HU" smtClean="0"/>
-              <a:t>2024. 03. 06.</a:t>
+              <a:t>2024. 03. 07.</a:t>
             </a:fld>
             <a:endParaRPr lang="hu-HU"/>
           </a:p>
@@ -670,7 +670,7 @@
           <a:p>
             <a:fld id="{FAFE99D3-01DF-412E-A391-2E4028D344DC}" type="datetimeFigureOut">
               <a:rPr lang="hu-HU" smtClean="0"/>
-              <a:t>2024. 03. 06.</a:t>
+              <a:t>2024. 03. 07.</a:t>
             </a:fld>
             <a:endParaRPr lang="hu-HU"/>
           </a:p>
@@ -868,7 +868,7 @@
           <a:p>
             <a:fld id="{FAFE99D3-01DF-412E-A391-2E4028D344DC}" type="datetimeFigureOut">
               <a:rPr lang="hu-HU" smtClean="0"/>
-              <a:t>2024. 03. 06.</a:t>
+              <a:t>2024. 03. 07.</a:t>
             </a:fld>
             <a:endParaRPr lang="hu-HU"/>
           </a:p>
@@ -1143,7 +1143,7 @@
           <a:p>
             <a:fld id="{FAFE99D3-01DF-412E-A391-2E4028D344DC}" type="datetimeFigureOut">
               <a:rPr lang="hu-HU" smtClean="0"/>
-              <a:t>2024. 03. 06.</a:t>
+              <a:t>2024. 03. 07.</a:t>
             </a:fld>
             <a:endParaRPr lang="hu-HU"/>
           </a:p>
@@ -1408,7 +1408,7 @@
           <a:p>
             <a:fld id="{FAFE99D3-01DF-412E-A391-2E4028D344DC}" type="datetimeFigureOut">
               <a:rPr lang="hu-HU" smtClean="0"/>
-              <a:t>2024. 03. 06.</a:t>
+              <a:t>2024. 03. 07.</a:t>
             </a:fld>
             <a:endParaRPr lang="hu-HU"/>
           </a:p>
@@ -1820,7 +1820,7 @@
           <a:p>
             <a:fld id="{FAFE99D3-01DF-412E-A391-2E4028D344DC}" type="datetimeFigureOut">
               <a:rPr lang="hu-HU" smtClean="0"/>
-              <a:t>2024. 03. 06.</a:t>
+              <a:t>2024. 03. 07.</a:t>
             </a:fld>
             <a:endParaRPr lang="hu-HU"/>
           </a:p>
@@ -1961,7 +1961,7 @@
           <a:p>
             <a:fld id="{FAFE99D3-01DF-412E-A391-2E4028D344DC}" type="datetimeFigureOut">
               <a:rPr lang="hu-HU" smtClean="0"/>
-              <a:t>2024. 03. 06.</a:t>
+              <a:t>2024. 03. 07.</a:t>
             </a:fld>
             <a:endParaRPr lang="hu-HU"/>
           </a:p>
@@ -2074,7 +2074,7 @@
           <a:p>
             <a:fld id="{FAFE99D3-01DF-412E-A391-2E4028D344DC}" type="datetimeFigureOut">
               <a:rPr lang="hu-HU" smtClean="0"/>
-              <a:t>2024. 03. 06.</a:t>
+              <a:t>2024. 03. 07.</a:t>
             </a:fld>
             <a:endParaRPr lang="hu-HU"/>
           </a:p>
@@ -2385,7 +2385,7 @@
           <a:p>
             <a:fld id="{FAFE99D3-01DF-412E-A391-2E4028D344DC}" type="datetimeFigureOut">
               <a:rPr lang="hu-HU" smtClean="0"/>
-              <a:t>2024. 03. 06.</a:t>
+              <a:t>2024. 03. 07.</a:t>
             </a:fld>
             <a:endParaRPr lang="hu-HU"/>
           </a:p>
@@ -2673,7 +2673,7 @@
           <a:p>
             <a:fld id="{FAFE99D3-01DF-412E-A391-2E4028D344DC}" type="datetimeFigureOut">
               <a:rPr lang="hu-HU" smtClean="0"/>
-              <a:t>2024. 03. 06.</a:t>
+              <a:t>2024. 03. 07.</a:t>
             </a:fld>
             <a:endParaRPr lang="hu-HU"/>
           </a:p>
@@ -2920,7 +2920,7 @@
           <a:p>
             <a:fld id="{FAFE99D3-01DF-412E-A391-2E4028D344DC}" type="datetimeFigureOut">
               <a:rPr lang="hu-HU" smtClean="0"/>
-              <a:t>2024. 03. 06.</a:t>
+              <a:t>2024. 03. 07.</a:t>
             </a:fld>
             <a:endParaRPr lang="hu-HU"/>
           </a:p>
@@ -3402,6 +3402,60 @@
           <a:chExt cx="0" cy="0"/>
         </a:xfrm>
       </p:grpSpPr>
+      <p:pic>
+        <p:nvPicPr>
+          <p:cNvPr id="1026" name="Picture 2" descr="Magyar Fejedelemség – Wikipédia">
+            <a:extLst>
+              <a:ext uri="{FF2B5EF4-FFF2-40B4-BE49-F238E27FC236}">
+                <a16:creationId xmlns:a16="http://schemas.microsoft.com/office/drawing/2014/main" id="{94242322-8E7E-1F27-3E8A-256084B9094F}"/>
+              </a:ext>
+            </a:extLst>
+          </p:cNvPr>
+          <p:cNvPicPr>
+            <a:picLocks noChangeAspect="1" noChangeArrowheads="1"/>
+          </p:cNvPicPr>
+          <p:nvPr/>
+        </p:nvPicPr>
+        <p:blipFill>
+          <a:blip r:embed="rId2">
+            <a:duotone>
+              <a:schemeClr val="accent2">
+                <a:shade val="45000"/>
+                <a:satMod val="135000"/>
+              </a:schemeClr>
+              <a:prstClr val="white"/>
+            </a:duotone>
+            <a:extLst>
+              <a:ext uri="{28A0092B-C50C-407E-A947-70E740481C1C}">
+                <a14:useLocalDpi xmlns:a14="http://schemas.microsoft.com/office/drawing/2010/main" val="0"/>
+              </a:ext>
+            </a:extLst>
+          </a:blip>
+          <a:srcRect/>
+          <a:stretch>
+            <a:fillRect/>
+          </a:stretch>
+        </p:blipFill>
+        <p:spPr bwMode="auto">
+          <a:xfrm>
+            <a:off x="2406974" y="227"/>
+            <a:ext cx="9785026" cy="6857773"/>
+          </a:xfrm>
+          <a:prstGeom prst="rect">
+            <a:avLst/>
+          </a:prstGeom>
+          <a:noFill/>
+          <a:extLst>
+            <a:ext uri="{909E8E84-426E-40DD-AFC4-6F175D3DCCD1}">
+              <a14:hiddenFill xmlns:a14="http://schemas.microsoft.com/office/drawing/2010/main">
+                <a:solidFill>
+                  <a:srgbClr val="FFFFFF"/>
+                </a:solidFill>
+              </a14:hiddenFill>
+            </a:ext>
+          </a:extLst>
+        </p:spPr>
+      </p:pic>
       <p:sp>
         <p:nvSpPr>
           <p:cNvPr id="2" name="Cím 1">
@@ -3452,17 +3506,24 @@
             <p:ph idx="1"/>
           </p:nvPr>
         </p:nvSpPr>
-        <p:spPr/>
-        <p:txBody>
-          <a:bodyPr/>
-          <a:lstStyle/>
-          <a:p>
+        <p:spPr>
+          <a:xfrm>
+            <a:off x="838200" y="1825625"/>
+            <a:ext cx="6085114" cy="4351338"/>
+          </a:xfrm>
+        </p:spPr>
+        <p:txBody>
+          <a:bodyPr/>
+          <a:lstStyle/>
+          <a:p>
+            <a:pPr algn="just"/>
             <a:r>
               <a:rPr lang="hu-HU" dirty="0"/>
               <a:t>A X. század végén a magyarság válaszút elé került: fennmaradás vagy pusztulás.</a:t>
             </a:r>
           </a:p>
           <a:p>
+            <a:pPr algn="just"/>
             <a:r>
               <a:rPr lang="hu-HU" dirty="0"/>
               <a:t>Csatlakozás a keresztény, feudális Európához biztosította a megmaradást.</a:t>
@@ -3516,13 +3577,18 @@
             <p:ph type="title"/>
           </p:nvPr>
         </p:nvSpPr>
-        <p:spPr/>
-        <p:txBody>
-          <a:bodyPr/>
-          <a:lstStyle/>
-          <a:p>
-            <a:r>
-              <a:rPr lang="hu-HU" b="1" dirty="0">
+        <p:spPr>
+          <a:xfrm>
+            <a:off x="838200" y="365125"/>
+            <a:ext cx="5257800" cy="1325563"/>
+          </a:xfrm>
+        </p:spPr>
+        <p:txBody>
+          <a:bodyPr/>
+          <a:lstStyle/>
+          <a:p>
+            <a:r>
+              <a:rPr lang="hu-HU" b="1">
                 <a:solidFill>
                   <a:schemeClr val="accent2">
                     <a:lumMod val="75000"/>
@@ -3531,6 +3597,13 @@
               </a:rPr>
               <a:t>Géza fejedelem</a:t>
             </a:r>
+            <a:endParaRPr lang="hu-HU" b="1" dirty="0">
+              <a:solidFill>
+                <a:schemeClr val="accent2">
+                  <a:lumMod val="75000"/>
+                </a:schemeClr>
+              </a:solidFill>
+            </a:endParaRPr>
           </a:p>
         </p:txBody>
       </p:sp>
@@ -3550,29 +3623,38 @@
             <p:ph idx="1"/>
           </p:nvPr>
         </p:nvSpPr>
-        <p:spPr/>
-        <p:txBody>
-          <a:bodyPr/>
-          <a:lstStyle/>
-          <a:p>
+        <p:spPr>
+          <a:xfrm>
+            <a:off x="838200" y="1825625"/>
+            <a:ext cx="6607630" cy="4351338"/>
+          </a:xfrm>
+        </p:spPr>
+        <p:txBody>
+          <a:bodyPr/>
+          <a:lstStyle/>
+          <a:p>
+            <a:pPr algn="just"/>
             <a:r>
               <a:rPr lang="hu-HU" dirty="0"/>
               <a:t>970-ben került hatalomra.</a:t>
             </a:r>
           </a:p>
           <a:p>
+            <a:pPr algn="just"/>
             <a:r>
               <a:rPr lang="hu-HU" dirty="0"/>
-              <a:t>972-ben küldött követeket a bajor uralkodónak a kereszténység terjesztése érdekében.</a:t>
-            </a:r>
-          </a:p>
-          <a:p>
+              <a:t>972-ben követeket küldött a bajor uralkodónak a kereszténység terjesztése érdekében.</a:t>
+            </a:r>
+          </a:p>
+          <a:p>
+            <a:pPr algn="just"/>
             <a:r>
               <a:rPr lang="hu-HU" dirty="0"/>
-              <a:t>Fiát, Vajkot (későbbi Istvánt) összeházasította Gizella bajor hercegnővel.</a:t>
-            </a:r>
-          </a:p>
-          <a:p>
+              <a:t>Fiát, Vajkot (a későbbi Istvánt) összeházasította Gizella bajor hercegnővel.</a:t>
+            </a:r>
+          </a:p>
+          <a:p>
+            <a:pPr algn="just"/>
             <a:r>
               <a:rPr lang="hu-HU" dirty="0"/>
               <a:t>Bevezette a Nyugat-Európában használt utódlási rendszert.</a:t>
@@ -3582,10 +3664,10 @@
       </p:sp>
       <p:pic>
         <p:nvPicPr>
-          <p:cNvPr id="4" name="Picture 2" descr="Ábrázolása a Képes krónikában">
-            <a:extLst>
-              <a:ext uri="{FF2B5EF4-FFF2-40B4-BE49-F238E27FC236}">
-                <a16:creationId xmlns:a16="http://schemas.microsoft.com/office/drawing/2014/main" id="{16DFBB33-AEAC-477E-AEB2-F6FD38644FC1}"/>
+          <p:cNvPr id="5" name="Picture 2" descr="Ábrázolása a Képes krónikában">
+            <a:extLst>
+              <a:ext uri="{FF2B5EF4-FFF2-40B4-BE49-F238E27FC236}">
+                <a16:creationId xmlns:a16="http://schemas.microsoft.com/office/drawing/2014/main" id="{282D1F02-6C3D-F70D-A3AE-0F67CA320A4D}"/>
               </a:ext>
             </a:extLst>
           </p:cNvPr>
@@ -3594,7 +3676,7 @@
           </p:cNvPicPr>
           <p:nvPr/>
         </p:nvPicPr>
-        <p:blipFill>
+        <p:blipFill rotWithShape="1">
           <a:blip r:embed="rId2">
             <a:extLst>
               <a:ext uri="{28A0092B-C50C-407E-A947-70E740481C1C}">
@@ -3602,19 +3684,51 @@
               </a:ext>
             </a:extLst>
           </a:blip>
-          <a:srcRect/>
-          <a:stretch>
-            <a:fillRect/>
-          </a:stretch>
+          <a:srcRect l="16424" r="16856" b="2"/>
+          <a:stretch/>
         </p:blipFill>
         <p:spPr bwMode="auto">
           <a:xfrm>
-            <a:off x="5191125" y="0"/>
-            <a:ext cx="7000875" cy="6858000"/>
+            <a:off x="7512126" y="-31069"/>
+            <a:ext cx="4679874" cy="6856412"/>
           </a:xfrm>
-          <a:prstGeom prst="rect">
+          <a:custGeom>
             <a:avLst/>
-          </a:prstGeom>
+            <a:gdLst/>
+            <a:ahLst/>
+            <a:cxnLst/>
+            <a:rect l="l" t="t" r="r" b="b"/>
+            <a:pathLst>
+              <a:path w="5620032" h="6856412">
+                <a:moveTo>
+                  <a:pt x="13187" y="0"/>
+                </a:moveTo>
+                <a:lnTo>
+                  <a:pt x="5620032" y="0"/>
+                </a:lnTo>
+                <a:lnTo>
+                  <a:pt x="5620032" y="6856412"/>
+                </a:lnTo>
+                <a:lnTo>
+                  <a:pt x="0" y="6856412"/>
+                </a:lnTo>
+                <a:lnTo>
+                  <a:pt x="64318" y="6298274"/>
+                </a:lnTo>
+                <a:cubicBezTo>
+                  <a:pt x="203221" y="4970220"/>
+                  <a:pt x="240510" y="3632077"/>
+                  <a:pt x="97152" y="2276000"/>
+                </a:cubicBezTo>
+                <a:cubicBezTo>
+                  <a:pt x="35713" y="1694824"/>
+                  <a:pt x="7455" y="1116942"/>
+                  <a:pt x="6154" y="541737"/>
+                </a:cubicBezTo>
+                <a:close/>
+              </a:path>
+            </a:pathLst>
+          </a:custGeom>
           <a:noFill/>
           <a:extLst>
             <a:ext uri="{909E8E84-426E-40DD-AFC4-6F175D3DCCD1}">
@@ -3673,7 +3787,12 @@
             <p:ph type="title"/>
           </p:nvPr>
         </p:nvSpPr>
-        <p:spPr/>
+        <p:spPr>
+          <a:xfrm>
+            <a:off x="838200" y="365125"/>
+            <a:ext cx="7167465" cy="1325563"/>
+          </a:xfrm>
+        </p:spPr>
         <p:txBody>
           <a:bodyPr/>
           <a:lstStyle/>
@@ -3707,42 +3826,52 @@
             <p:ph idx="1"/>
           </p:nvPr>
         </p:nvSpPr>
-        <p:spPr/>
-        <p:txBody>
-          <a:bodyPr/>
-          <a:lstStyle/>
-          <a:p>
-            <a:r>
-              <a:rPr lang="hu-HU" dirty="0"/>
+        <p:spPr>
+          <a:xfrm>
+            <a:off x="838201" y="1825625"/>
+            <a:ext cx="6038460" cy="4351338"/>
+          </a:xfrm>
+        </p:spPr>
+        <p:txBody>
+          <a:bodyPr/>
+          <a:lstStyle/>
+          <a:p>
+            <a:pPr algn="just"/>
+            <a:r>
+              <a:rPr lang="hu-HU"/>
               <a:t>997-ben vette át a hatalmat.</a:t>
             </a:r>
           </a:p>
           <a:p>
-            <a:r>
-              <a:rPr lang="hu-HU" dirty="0"/>
+            <a:pPr algn="just"/>
+            <a:r>
+              <a:rPr lang="hu-HU"/>
               <a:t>Legyőzte Koppányt, aki hatalomra tört.</a:t>
             </a:r>
           </a:p>
           <a:p>
-            <a:r>
-              <a:rPr lang="hu-HU" dirty="0"/>
+            <a:pPr algn="just"/>
+            <a:r>
+              <a:rPr lang="hu-HU"/>
               <a:t>Megkoronáztatta magát II. Szilveszter pápa támogatásával.</a:t>
             </a:r>
           </a:p>
           <a:p>
-            <a:r>
-              <a:rPr lang="hu-HU" dirty="0"/>
+            <a:pPr algn="just"/>
+            <a:r>
+              <a:rPr lang="hu-HU"/>
               <a:t>Egyházrendszer kiépítése és törvények bevezetése.</a:t>
             </a:r>
+            <a:endParaRPr lang="hu-HU" dirty="0"/>
           </a:p>
         </p:txBody>
       </p:sp>
       <p:pic>
         <p:nvPicPr>
-          <p:cNvPr id="1028" name="Picture 4" descr="Szent István ikon - Artikon Ajándéküzlet">
-            <a:extLst>
-              <a:ext uri="{FF2B5EF4-FFF2-40B4-BE49-F238E27FC236}">
-                <a16:creationId xmlns:a16="http://schemas.microsoft.com/office/drawing/2014/main" id="{98B7DA38-A58D-44ED-A95D-087B55FACC13}"/>
+          <p:cNvPr id="5" name="Picture 4" descr="Szent István ikon - Artikon Ajándéküzlet">
+            <a:extLst>
+              <a:ext uri="{FF2B5EF4-FFF2-40B4-BE49-F238E27FC236}">
+                <a16:creationId xmlns:a16="http://schemas.microsoft.com/office/drawing/2014/main" id="{553B9DE6-B3A4-803A-90CC-C14FDFAD344A}"/>
               </a:ext>
             </a:extLst>
           </p:cNvPr>
@@ -3751,7 +3880,7 @@
           </p:cNvPicPr>
           <p:nvPr/>
         </p:nvPicPr>
-        <p:blipFill>
+        <p:blipFill rotWithShape="1">
           <a:blip r:embed="rId2">
             <a:extLst>
               <a:ext uri="{28A0092B-C50C-407E-A947-70E740481C1C}">
@@ -3759,19 +3888,481 @@
               </a:ext>
             </a:extLst>
           </a:blip>
-          <a:srcRect/>
-          <a:stretch>
-            <a:fillRect/>
-          </a:stretch>
+          <a:srcRect l="-2" t="8538" r="12467" b="17564"/>
+          <a:stretch/>
         </p:blipFill>
         <p:spPr bwMode="auto">
           <a:xfrm>
-            <a:off x="7783513" y="0"/>
-            <a:ext cx="4408487" cy="6858000"/>
+            <a:off x="6972554" y="10"/>
+            <a:ext cx="5219446" cy="6857990"/>
           </a:xfrm>
-          <a:prstGeom prst="rect">
+          <a:custGeom>
             <a:avLst/>
-          </a:prstGeom>
+            <a:gdLst/>
+            <a:ahLst/>
+            <a:cxnLst/>
+            <a:rect l="l" t="t" r="r" b="b"/>
+            <a:pathLst>
+              <a:path w="5962785" h="6858000">
+                <a:moveTo>
+                  <a:pt x="1044839" y="0"/>
+                </a:moveTo>
+                <a:lnTo>
+                  <a:pt x="5962785" y="0"/>
+                </a:lnTo>
+                <a:lnTo>
+                  <a:pt x="5962785" y="6858000"/>
+                </a:lnTo>
+                <a:lnTo>
+                  <a:pt x="1469886" y="6858000"/>
+                </a:lnTo>
+                <a:lnTo>
+                  <a:pt x="1416006" y="6823984"/>
+                </a:lnTo>
+                <a:cubicBezTo>
+                  <a:pt x="1356767" y="6787940"/>
+                  <a:pt x="1296437" y="6755500"/>
+                  <a:pt x="1232473" y="6733873"/>
+                </a:cubicBezTo>
+                <a:cubicBezTo>
+                  <a:pt x="1145250" y="6705037"/>
+                  <a:pt x="1060933" y="6654575"/>
+                  <a:pt x="1075471" y="6503186"/>
+                </a:cubicBezTo>
+                <a:cubicBezTo>
+                  <a:pt x="1078378" y="6459932"/>
+                  <a:pt x="1055118" y="6427493"/>
+                  <a:pt x="1020229" y="6438306"/>
+                </a:cubicBezTo>
+                <a:cubicBezTo>
+                  <a:pt x="953358" y="6459932"/>
+                  <a:pt x="921375" y="6398656"/>
+                  <a:pt x="883579" y="6351798"/>
+                </a:cubicBezTo>
+                <a:cubicBezTo>
+                  <a:pt x="816707" y="6268895"/>
+                  <a:pt x="752743" y="6182387"/>
+                  <a:pt x="645167" y="6167969"/>
+                </a:cubicBezTo>
+                <a:cubicBezTo>
+                  <a:pt x="665519" y="6103088"/>
+                  <a:pt x="700408" y="6110298"/>
+                  <a:pt x="732391" y="6124716"/>
+                </a:cubicBezTo>
+                <a:cubicBezTo>
+                  <a:pt x="816707" y="6160761"/>
+                  <a:pt x="901023" y="6200410"/>
+                  <a:pt x="985339" y="6236455"/>
+                </a:cubicBezTo>
+                <a:cubicBezTo>
+                  <a:pt x="1040581" y="6258081"/>
+                  <a:pt x="1095822" y="6290522"/>
+                  <a:pt x="1168509" y="6265291"/>
+                </a:cubicBezTo>
+                <a:cubicBezTo>
+                  <a:pt x="1104545" y="6135530"/>
+                  <a:pt x="996969" y="6110298"/>
+                  <a:pt x="909746" y="6070649"/>
+                </a:cubicBezTo>
+                <a:cubicBezTo>
+                  <a:pt x="802169" y="6020185"/>
+                  <a:pt x="738206" y="5926470"/>
+                  <a:pt x="659704" y="5818335"/>
+                </a:cubicBezTo>
+                <a:cubicBezTo>
+                  <a:pt x="738206" y="5789500"/>
+                  <a:pt x="787632" y="5868798"/>
+                  <a:pt x="851597" y="5865193"/>
+                </a:cubicBezTo>
+                <a:cubicBezTo>
+                  <a:pt x="854504" y="5854380"/>
+                  <a:pt x="860319" y="5832753"/>
+                  <a:pt x="860319" y="5832753"/>
+                </a:cubicBezTo>
+                <a:cubicBezTo>
+                  <a:pt x="755650" y="5775081"/>
+                  <a:pt x="709132" y="5666947"/>
+                  <a:pt x="691686" y="5533581"/>
+                </a:cubicBezTo>
+                <a:cubicBezTo>
+                  <a:pt x="685872" y="5465095"/>
+                  <a:pt x="648075" y="5443468"/>
+                  <a:pt x="610278" y="5411029"/>
+                </a:cubicBezTo>
+                <a:cubicBezTo>
+                  <a:pt x="482350" y="5299289"/>
+                  <a:pt x="345700" y="5198364"/>
+                  <a:pt x="238123" y="5046976"/>
+                </a:cubicBezTo>
+                <a:cubicBezTo>
+                  <a:pt x="363144" y="5064998"/>
+                  <a:pt x="461997" y="5165924"/>
+                  <a:pt x="592833" y="5209177"/>
+                </a:cubicBezTo>
+                <a:cubicBezTo>
+                  <a:pt x="488165" y="5043371"/>
+                  <a:pt x="351514" y="4956864"/>
+                  <a:pt x="226494" y="4855939"/>
+                </a:cubicBezTo>
+                <a:cubicBezTo>
+                  <a:pt x="168344" y="4809081"/>
+                  <a:pt x="116011" y="4751408"/>
+                  <a:pt x="49139" y="4726177"/>
+                </a:cubicBezTo>
+                <a:cubicBezTo>
+                  <a:pt x="25879" y="4718968"/>
+                  <a:pt x="-14825" y="4700947"/>
+                  <a:pt x="5527" y="4650483"/>
+                </a:cubicBezTo>
+                <a:cubicBezTo>
+                  <a:pt x="22972" y="4607230"/>
+                  <a:pt x="54954" y="4621648"/>
+                  <a:pt x="84029" y="4632460"/>
+                </a:cubicBezTo>
+                <a:cubicBezTo>
+                  <a:pt x="153807" y="4661296"/>
+                  <a:pt x="229401" y="4661296"/>
+                  <a:pt x="325347" y="4661296"/>
+                </a:cubicBezTo>
+                <a:cubicBezTo>
+                  <a:pt x="243939" y="4524326"/>
+                  <a:pt x="95658" y="4567580"/>
+                  <a:pt x="25879" y="4423401"/>
+                </a:cubicBezTo>
+                <a:cubicBezTo>
+                  <a:pt x="113103" y="4398170"/>
+                  <a:pt x="179975" y="4448632"/>
+                  <a:pt x="249753" y="4459446"/>
+                </a:cubicBezTo>
+                <a:cubicBezTo>
+                  <a:pt x="313718" y="4470259"/>
+                  <a:pt x="328254" y="4445028"/>
+                  <a:pt x="313718" y="4365729"/>
+                </a:cubicBezTo>
+                <a:cubicBezTo>
+                  <a:pt x="290458" y="4243177"/>
+                  <a:pt x="325347" y="4181900"/>
+                  <a:pt x="418386" y="4214341"/>
+                </a:cubicBezTo>
+                <a:cubicBezTo>
+                  <a:pt x="505609" y="4246781"/>
+                  <a:pt x="514332" y="4199922"/>
+                  <a:pt x="491072" y="4131438"/>
+                </a:cubicBezTo>
+                <a:cubicBezTo>
+                  <a:pt x="456183" y="4030512"/>
+                  <a:pt x="493979" y="3951214"/>
+                  <a:pt x="520147" y="3864706"/>
+                </a:cubicBezTo>
+                <a:cubicBezTo>
+                  <a:pt x="560851" y="3734945"/>
+                  <a:pt x="543407" y="3670064"/>
+                  <a:pt x="459090" y="3572743"/>
+                </a:cubicBezTo>
+                <a:cubicBezTo>
+                  <a:pt x="409664" y="3518676"/>
+                  <a:pt x="360236" y="3471818"/>
+                  <a:pt x="290458" y="3424959"/>
+                </a:cubicBezTo>
+                <a:cubicBezTo>
+                  <a:pt x="450368" y="3399728"/>
+                  <a:pt x="284643" y="3313221"/>
+                  <a:pt x="339884" y="3259153"/>
+                </a:cubicBezTo>
+                <a:cubicBezTo>
+                  <a:pt x="453275" y="3237527"/>
+                  <a:pt x="543407" y="3410542"/>
+                  <a:pt x="697501" y="3360078"/>
+                </a:cubicBezTo>
+                <a:cubicBezTo>
+                  <a:pt x="511425" y="3212294"/>
+                  <a:pt x="302087" y="3165436"/>
+                  <a:pt x="165437" y="2967190"/>
+                </a:cubicBezTo>
+                <a:cubicBezTo>
+                  <a:pt x="197419" y="2923937"/>
+                  <a:pt x="229401" y="2967190"/>
+                  <a:pt x="255568" y="2949167"/>
+                </a:cubicBezTo>
+                <a:cubicBezTo>
+                  <a:pt x="255568" y="2938354"/>
+                  <a:pt x="560851" y="3006840"/>
+                  <a:pt x="578296" y="2725691"/>
+                </a:cubicBezTo>
+                <a:cubicBezTo>
+                  <a:pt x="584111" y="2725691"/>
+                  <a:pt x="589926" y="2725691"/>
+                  <a:pt x="595740" y="2714876"/>
+                </a:cubicBezTo>
+                <a:cubicBezTo>
+                  <a:pt x="627722" y="2675228"/>
+                  <a:pt x="598648" y="2581510"/>
+                  <a:pt x="650982" y="2574301"/>
+                </a:cubicBezTo>
+                <a:cubicBezTo>
+                  <a:pt x="709132" y="2567092"/>
+                  <a:pt x="764373" y="2534653"/>
+                  <a:pt x="825429" y="2552674"/>
+                </a:cubicBezTo>
+                <a:cubicBezTo>
+                  <a:pt x="871949" y="2567092"/>
+                  <a:pt x="921375" y="2585115"/>
+                  <a:pt x="970802" y="2585115"/>
+                </a:cubicBezTo>
+                <a:cubicBezTo>
+                  <a:pt x="1023136" y="2585115"/>
+                  <a:pt x="1095822" y="2707668"/>
+                  <a:pt x="1127805" y="2545465"/>
+                </a:cubicBezTo>
+                <a:cubicBezTo>
+                  <a:pt x="1127805" y="2538257"/>
+                  <a:pt x="1217936" y="2556280"/>
+                  <a:pt x="1267362" y="2563488"/>
+                </a:cubicBezTo>
+                <a:cubicBezTo>
+                  <a:pt x="1308067" y="2570698"/>
+                  <a:pt x="1357494" y="2603137"/>
+                  <a:pt x="1386568" y="2538257"/>
+                </a:cubicBezTo>
+                <a:cubicBezTo>
+                  <a:pt x="1401105" y="2498607"/>
+                  <a:pt x="1331326" y="2426518"/>
+                  <a:pt x="1270270" y="2419309"/>
+                </a:cubicBezTo>
+                <a:cubicBezTo>
+                  <a:pt x="1215029" y="2412101"/>
+                  <a:pt x="1159787" y="2404892"/>
+                  <a:pt x="1107453" y="2419309"/>
+                </a:cubicBezTo>
+                <a:cubicBezTo>
+                  <a:pt x="1043489" y="2437331"/>
+                  <a:pt x="1008599" y="2408495"/>
+                  <a:pt x="991154" y="2343615"/>
+                </a:cubicBezTo>
+                <a:cubicBezTo>
+                  <a:pt x="970802" y="2275131"/>
+                  <a:pt x="933005" y="2239085"/>
+                  <a:pt x="880671" y="2206645"/>
+                </a:cubicBezTo>
+                <a:cubicBezTo>
+                  <a:pt x="752743" y="2127346"/>
+                  <a:pt x="630630" y="2033629"/>
+                  <a:pt x="491072" y="1986771"/>
+                </a:cubicBezTo>
+                <a:cubicBezTo>
+                  <a:pt x="464905" y="1979562"/>
+                  <a:pt x="432923" y="1965145"/>
+                  <a:pt x="421293" y="1903868"/>
+                </a:cubicBezTo>
+                <a:cubicBezTo>
+                  <a:pt x="799262" y="1997584"/>
+                  <a:pt x="1142342" y="2239085"/>
+                  <a:pt x="1531941" y="2224667"/>
+                </a:cubicBezTo>
+                <a:cubicBezTo>
+                  <a:pt x="1427272" y="2148974"/>
+                  <a:pt x="1302252" y="2145369"/>
+                  <a:pt x="1188861" y="2091301"/>
+                </a:cubicBezTo>
+                <a:cubicBezTo>
+                  <a:pt x="1270270" y="2051652"/>
+                  <a:pt x="1345864" y="2094906"/>
+                  <a:pt x="1421458" y="2116532"/>
+                </a:cubicBezTo>
+                <a:cubicBezTo>
+                  <a:pt x="1485422" y="2134554"/>
+                  <a:pt x="1543571" y="2138160"/>
+                  <a:pt x="1549386" y="2026420"/>
+                </a:cubicBezTo>
+                <a:cubicBezTo>
+                  <a:pt x="1549386" y="2015607"/>
+                  <a:pt x="1549386" y="2008398"/>
+                  <a:pt x="1549386" y="1997584"/>
+                </a:cubicBezTo>
+                <a:cubicBezTo>
+                  <a:pt x="1526126" y="1950727"/>
+                  <a:pt x="1494144" y="1929099"/>
+                  <a:pt x="1453440" y="1914682"/>
+                </a:cubicBezTo>
+                <a:cubicBezTo>
+                  <a:pt x="1430180" y="1907473"/>
+                  <a:pt x="1398198" y="1893056"/>
+                  <a:pt x="1398198" y="1860614"/>
+                </a:cubicBezTo>
+                <a:cubicBezTo>
+                  <a:pt x="1401105" y="1738063"/>
+                  <a:pt x="1322604" y="1702018"/>
+                  <a:pt x="1247011" y="1665972"/>
+                </a:cubicBezTo>
+                <a:cubicBezTo>
+                  <a:pt x="1287715" y="1604696"/>
+                  <a:pt x="1322604" y="1647950"/>
+                  <a:pt x="1354586" y="1644345"/>
+                </a:cubicBezTo>
+                <a:cubicBezTo>
+                  <a:pt x="1374939" y="1640741"/>
+                  <a:pt x="1395290" y="1637138"/>
+                  <a:pt x="1395290" y="1604696"/>
+                </a:cubicBezTo>
+                <a:cubicBezTo>
+                  <a:pt x="1395290" y="1579465"/>
+                  <a:pt x="1386568" y="1547025"/>
+                  <a:pt x="1366216" y="1547025"/>
+                </a:cubicBezTo>
+                <a:cubicBezTo>
+                  <a:pt x="1238288" y="1543420"/>
+                  <a:pt x="1165601" y="1370405"/>
+                  <a:pt x="1031858" y="1370405"/>
+                </a:cubicBezTo>
+                <a:cubicBezTo>
+                  <a:pt x="950450" y="1370405"/>
+                  <a:pt x="1072563" y="1273083"/>
+                  <a:pt x="1005692" y="1233435"/>
+                </a:cubicBezTo>
+                <a:cubicBezTo>
+                  <a:pt x="991154" y="1222621"/>
+                  <a:pt x="1046396" y="1208203"/>
+                  <a:pt x="1069655" y="1211808"/>
+                </a:cubicBezTo>
+                <a:cubicBezTo>
+                  <a:pt x="1092915" y="1215412"/>
+                  <a:pt x="1113268" y="1240644"/>
+                  <a:pt x="1142342" y="1222621"/>
+                </a:cubicBezTo>
+                <a:cubicBezTo>
+                  <a:pt x="1156879" y="1157741"/>
+                  <a:pt x="1119082" y="1132510"/>
+                  <a:pt x="1084193" y="1114487"/>
+                </a:cubicBezTo>
+                <a:cubicBezTo>
+                  <a:pt x="1008599" y="1071234"/>
+                  <a:pt x="933005" y="1020771"/>
+                  <a:pt x="848689" y="1006353"/>
+                </a:cubicBezTo>
+                <a:cubicBezTo>
+                  <a:pt x="819615" y="1002748"/>
+                  <a:pt x="802169" y="984726"/>
+                  <a:pt x="805077" y="948681"/>
+                </a:cubicBezTo>
+                <a:cubicBezTo>
+                  <a:pt x="810892" y="901822"/>
+                  <a:pt x="839967" y="916240"/>
+                  <a:pt x="863226" y="919844"/>
+                </a:cubicBezTo>
+                <a:cubicBezTo>
+                  <a:pt x="877764" y="923450"/>
+                  <a:pt x="892301" y="934263"/>
+                  <a:pt x="906838" y="909031"/>
+                </a:cubicBezTo>
+                <a:cubicBezTo>
+                  <a:pt x="566666" y="653113"/>
+                  <a:pt x="386404" y="667532"/>
+                  <a:pt x="5527" y="458471"/>
+                </a:cubicBezTo>
+                <a:cubicBezTo>
+                  <a:pt x="89843" y="418822"/>
+                  <a:pt x="150900" y="447658"/>
+                  <a:pt x="209049" y="454867"/>
+                </a:cubicBezTo>
+                <a:cubicBezTo>
+                  <a:pt x="354422" y="472890"/>
+                  <a:pt x="264290" y="505329"/>
+                  <a:pt x="409664" y="526956"/>
+                </a:cubicBezTo>
+                <a:cubicBezTo>
+                  <a:pt x="479443" y="537770"/>
+                  <a:pt x="543407" y="573815"/>
+                  <a:pt x="621908" y="516143"/>
+                </a:cubicBezTo>
+                <a:cubicBezTo>
+                  <a:pt x="674242" y="476494"/>
+                  <a:pt x="758558" y="519747"/>
+                  <a:pt x="822522" y="552188"/>
+                </a:cubicBezTo>
+                <a:cubicBezTo>
+                  <a:pt x="874856" y="581024"/>
+                  <a:pt x="927190" y="588232"/>
+                  <a:pt x="996969" y="552188"/>
+                </a:cubicBezTo>
+                <a:cubicBezTo>
+                  <a:pt x="933005" y="530562"/>
+                  <a:pt x="883579" y="512539"/>
+                  <a:pt x="834151" y="498120"/>
+                </a:cubicBezTo>
+                <a:cubicBezTo>
+                  <a:pt x="793447" y="487307"/>
+                  <a:pt x="770187" y="462076"/>
+                  <a:pt x="773095" y="408008"/>
+                </a:cubicBezTo>
+                <a:cubicBezTo>
+                  <a:pt x="773095" y="379172"/>
+                  <a:pt x="764373" y="339523"/>
+                  <a:pt x="793447" y="325106"/>
+                </a:cubicBezTo>
+                <a:cubicBezTo>
+                  <a:pt x="816707" y="310688"/>
+                  <a:pt x="848689" y="325106"/>
+                  <a:pt x="860319" y="350336"/>
+                </a:cubicBezTo>
+                <a:cubicBezTo>
+                  <a:pt x="874856" y="397195"/>
+                  <a:pt x="889393" y="440449"/>
+                  <a:pt x="938820" y="444054"/>
+                </a:cubicBezTo>
+                <a:cubicBezTo>
+                  <a:pt x="1005692" y="451262"/>
+                  <a:pt x="967894" y="422426"/>
+                  <a:pt x="956265" y="386381"/>
+                </a:cubicBezTo>
+                <a:cubicBezTo>
+                  <a:pt x="944635" y="346733"/>
+                  <a:pt x="979525" y="335919"/>
+                  <a:pt x="1002784" y="343127"/>
+                </a:cubicBezTo>
+                <a:cubicBezTo>
+                  <a:pt x="1090008" y="375569"/>
+                  <a:pt x="1180139" y="317897"/>
+                  <a:pt x="1270270" y="364755"/>
+                </a:cubicBezTo>
+                <a:cubicBezTo>
+                  <a:pt x="1247011" y="249411"/>
+                  <a:pt x="1197583" y="198949"/>
+                  <a:pt x="1092915" y="180926"/>
+                </a:cubicBezTo>
+                <a:cubicBezTo>
+                  <a:pt x="1055118" y="177322"/>
+                  <a:pt x="1014414" y="184530"/>
+                  <a:pt x="979525" y="152090"/>
+                </a:cubicBezTo>
+                <a:cubicBezTo>
+                  <a:pt x="959172" y="134068"/>
+                  <a:pt x="938820" y="112441"/>
+                  <a:pt x="953358" y="76396"/>
+                </a:cubicBezTo>
+                <a:cubicBezTo>
+                  <a:pt x="962080" y="51165"/>
+                  <a:pt x="985339" y="51165"/>
+                  <a:pt x="1005692" y="58373"/>
+                </a:cubicBezTo>
+                <a:cubicBezTo>
+                  <a:pt x="1090008" y="98023"/>
+                  <a:pt x="1180139" y="108837"/>
+                  <a:pt x="1267362" y="123254"/>
+                </a:cubicBezTo>
+                <a:cubicBezTo>
+                  <a:pt x="1281900" y="126859"/>
+                  <a:pt x="1296437" y="134068"/>
+                  <a:pt x="1310975" y="98023"/>
+                </a:cubicBezTo>
+                <a:cubicBezTo>
+                  <a:pt x="1260095" y="81803"/>
+                  <a:pt x="1209941" y="62879"/>
+                  <a:pt x="1159787" y="43505"/>
+                </a:cubicBezTo>
+                <a:close/>
+              </a:path>
+            </a:pathLst>
+          </a:custGeom>
           <a:noFill/>
           <a:extLst>
             <a:ext uri="{909E8E84-426E-40DD-AFC4-6F175D3DCCD1}">
@@ -3843,7 +4434,7 @@
                   </a:schemeClr>
                 </a:solidFill>
               </a:rPr>
-              <a:t>Egyházrendszer kiépítése és a közigazgatás</a:t>
+              <a:t>Az egyházrendszer kiépítése és a közigazgatás</a:t>
             </a:r>
           </a:p>
         </p:txBody>
@@ -3864,45 +4455,166 @@
             <p:ph idx="1"/>
           </p:nvPr>
         </p:nvSpPr>
-        <p:spPr/>
-        <p:txBody>
-          <a:bodyPr/>
-          <a:lstStyle/>
-          <a:p>
+        <p:spPr>
+          <a:xfrm>
+            <a:off x="838200" y="1825624"/>
+            <a:ext cx="5749212" cy="5032375"/>
+          </a:xfrm>
+        </p:spPr>
+        <p:txBody>
+          <a:bodyPr>
+            <a:normAutofit fontScale="92500" lnSpcReduction="20000"/>
+          </a:bodyPr>
+          <a:lstStyle/>
+          <a:p>
+            <a:pPr algn="just"/>
             <a:r>
               <a:rPr lang="hu-HU" dirty="0"/>
               <a:t>10 egyházmegyét és püspökséget alapított, közülük Esztergom érseki rangot kapott.</a:t>
             </a:r>
           </a:p>
           <a:p>
+            <a:pPr algn="just"/>
             <a:r>
               <a:rPr lang="hu-HU" dirty="0"/>
               <a:t>Bevezette a tizedadót és kötelezővé tette a templomba járást.</a:t>
             </a:r>
           </a:p>
           <a:p>
+            <a:pPr algn="just"/>
             <a:r>
               <a:rPr lang="hu-HU" dirty="0"/>
-              <a:t>Templomok építése és böjt kötelezővé tétele.</a:t>
-            </a:r>
-          </a:p>
-          <a:p>
+              <a:t>Templomok építése és a böjt kötelezővé tétele.</a:t>
+            </a:r>
+          </a:p>
+          <a:p>
+            <a:pPr algn="just"/>
             <a:r>
               <a:rPr lang="hu-HU" dirty="0"/>
-              <a:t>Vármegyékbe osztotta az országot, minden központba egy vár épült.</a:t>
-            </a:r>
-          </a:p>
-          <a:p>
+              <a:t>Vármegyékre osztotta az országot, minden központba egy vár épült.</a:t>
+            </a:r>
+          </a:p>
+          <a:p>
+            <a:pPr algn="just"/>
             <a:r>
               <a:rPr lang="hu-HU" dirty="0"/>
               <a:t>Az ispánok feladata az adószedés, törvénykezés és katonai ügyek intézése volt.</a:t>
             </a:r>
           </a:p>
           <a:p>
+            <a:pPr algn="just"/>
             <a:r>
               <a:rPr lang="hu-HU" dirty="0"/>
-              <a:t>Nádori pozíció létrehozása István uralkodása alatt.</a:t>
-            </a:r>
+              <a:t>Nádori pozíció létrehozása:</a:t>
+            </a:r>
+          </a:p>
+          <a:p>
+            <a:pPr lvl="1" algn="just"/>
+            <a:r>
+              <a:rPr lang="hu-HU" dirty="0"/>
+              <a:t>A király helyettese volt</a:t>
+            </a:r>
+          </a:p>
+          <a:p>
+            <a:pPr lvl="1" algn="just"/>
+            <a:r>
+              <a:rPr lang="hu-HU" dirty="0"/>
+              <a:t>Távollétében volt hatalmon</a:t>
+            </a:r>
+          </a:p>
+        </p:txBody>
+      </p:sp>
+      <p:pic>
+        <p:nvPicPr>
+          <p:cNvPr id="1028" name="Picture 4" descr="A térkép a Szent István kori Magyarországot mutatja be. Jelentős városok: Sopron, Pozsony, Trencsén, Nyitra, Győr, Veszprém, Zalavár, Somogyvár, Vác, Tolna, Pécs, Kalocsa, Szeged, Csanád, Szolnok, Pest, Esztergom, Fehérvár, Eger, Gömör, Szabolcs, Újvár, Zemplén, Szatmár, Bihar, Gyulafehérvár. Magyarország szomszédai nyugatról indulva és körben haladva: Német-Római Császárság, Lengyel Királyság, Kijevi Nagyfejedelemség, a besenyők (akik még nem alakítottak ki államformát), Bizánci Császárság, Horvát Királyság, Szlavónia.">
+            <a:extLst>
+              <a:ext uri="{FF2B5EF4-FFF2-40B4-BE49-F238E27FC236}">
+                <a16:creationId xmlns:a16="http://schemas.microsoft.com/office/drawing/2014/main" id="{63FA3518-65DF-E06F-FED4-234921FC2314}"/>
+              </a:ext>
+            </a:extLst>
+          </p:cNvPr>
+          <p:cNvPicPr>
+            <a:picLocks noChangeAspect="1" noChangeArrowheads="1"/>
+          </p:cNvPicPr>
+          <p:nvPr/>
+        </p:nvPicPr>
+        <p:blipFill rotWithShape="1">
+          <a:blip r:embed="rId2">
+            <a:extLst>
+              <a:ext uri="{28A0092B-C50C-407E-A947-70E740481C1C}">
+                <a14:useLocalDpi xmlns:a14="http://schemas.microsoft.com/office/drawing/2010/main" val="0"/>
+              </a:ext>
+            </a:extLst>
+          </a:blip>
+          <a:srcRect r="436" b="490"/>
+          <a:stretch/>
+        </p:blipFill>
+        <p:spPr bwMode="auto">
+          <a:xfrm>
+            <a:off x="6821716" y="1867413"/>
+            <a:ext cx="5046980" cy="3123174"/>
+          </a:xfrm>
+          <a:prstGeom prst="roundRect">
+            <a:avLst>
+              <a:gd name="adj" fmla="val 5745"/>
+            </a:avLst>
+          </a:prstGeom>
+          <a:noFill/>
+          <a:ln>
+            <a:solidFill>
+              <a:schemeClr val="accent2">
+                <a:lumMod val="75000"/>
+              </a:schemeClr>
+            </a:solidFill>
+          </a:ln>
+          <a:extLst>
+            <a:ext uri="{909E8E84-426E-40DD-AFC4-6F175D3DCCD1}">
+              <a14:hiddenFill xmlns:a14="http://schemas.microsoft.com/office/drawing/2010/main">
+                <a:solidFill>
+                  <a:srgbClr val="FFFFFF"/>
+                </a:solidFill>
+              </a14:hiddenFill>
+            </a:ext>
+          </a:extLst>
+        </p:spPr>
+      </p:pic>
+      <p:sp>
+        <p:nvSpPr>
+          <p:cNvPr id="5" name="Szövegdoboz 4">
+            <a:extLst>
+              <a:ext uri="{FF2B5EF4-FFF2-40B4-BE49-F238E27FC236}">
+                <a16:creationId xmlns:a16="http://schemas.microsoft.com/office/drawing/2014/main" id="{7EFE3498-6F4E-14E3-B3CF-854E844608F0}"/>
+              </a:ext>
+            </a:extLst>
+          </p:cNvPr>
+          <p:cNvSpPr txBox="1"/>
+          <p:nvPr/>
+        </p:nvSpPr>
+        <p:spPr>
+          <a:xfrm>
+            <a:off x="7566963" y="5010907"/>
+            <a:ext cx="3556486" cy="369332"/>
+          </a:xfrm>
+          <a:prstGeom prst="rect">
+            <a:avLst/>
+          </a:prstGeom>
+          <a:noFill/>
+        </p:spPr>
+        <p:txBody>
+          <a:bodyPr wrap="none" rtlCol="0">
+            <a:spAutoFit/>
+          </a:bodyPr>
+          <a:lstStyle/>
+          <a:p>
+            <a:r>
+              <a:rPr lang="hu-HU" i="1" dirty="0"/>
+              <a:t>Egyházmegyék </a:t>
+            </a:r>
+            <a:r>
+              <a:rPr lang="es-ES" i="1" dirty="0"/>
+              <a:t>Szent István korában</a:t>
+            </a:r>
+            <a:endParaRPr lang="hu-HU" i="1" dirty="0"/>
           </a:p>
         </p:txBody>
       </p:sp>
@@ -4007,6 +4719,105 @@
               <a:rPr lang="hu-HU" dirty="0"/>
               <a:t>Orseolo Pétert jelölte utódjának, aki királyi neveltetésben részesült.</a:t>
             </a:r>
+          </a:p>
+        </p:txBody>
+      </p:sp>
+      <p:pic>
+        <p:nvPicPr>
+          <p:cNvPr id="1026" name="Picture 2">
+            <a:extLst>
+              <a:ext uri="{FF2B5EF4-FFF2-40B4-BE49-F238E27FC236}">
+                <a16:creationId xmlns:a16="http://schemas.microsoft.com/office/drawing/2014/main" id="{4F5A9032-C429-5A8E-D685-A3CB31E45166}"/>
+              </a:ext>
+            </a:extLst>
+          </p:cNvPr>
+          <p:cNvPicPr>
+            <a:picLocks noChangeAspect="1" noChangeArrowheads="1"/>
+          </p:cNvPicPr>
+          <p:nvPr/>
+        </p:nvPicPr>
+        <p:blipFill>
+          <a:blip r:embed="rId2">
+            <a:extLst>
+              <a:ext uri="{28A0092B-C50C-407E-A947-70E740481C1C}">
+                <a14:useLocalDpi xmlns:a14="http://schemas.microsoft.com/office/drawing/2010/main" val="0"/>
+              </a:ext>
+            </a:extLst>
+          </a:blip>
+          <a:srcRect/>
+          <a:stretch>
+            <a:fillRect/>
+          </a:stretch>
+        </p:blipFill>
+        <p:spPr bwMode="auto">
+          <a:xfrm>
+            <a:off x="0" y="3921250"/>
+            <a:ext cx="7380514" cy="2936749"/>
+          </a:xfrm>
+          <a:prstGeom prst="round1Rect">
+            <a:avLst>
+              <a:gd name="adj" fmla="val 38907"/>
+            </a:avLst>
+          </a:prstGeom>
+          <a:noFill/>
+          <a:ln>
+            <a:solidFill>
+              <a:schemeClr val="accent2">
+                <a:lumMod val="75000"/>
+              </a:schemeClr>
+            </a:solidFill>
+          </a:ln>
+          <a:extLst>
+            <a:ext uri="{909E8E84-426E-40DD-AFC4-6F175D3DCCD1}">
+              <a14:hiddenFill xmlns:a14="http://schemas.microsoft.com/office/drawing/2010/main">
+                <a:solidFill>
+                  <a:srgbClr val="FFFFFF"/>
+                </a:solidFill>
+              </a14:hiddenFill>
+            </a:ext>
+          </a:extLst>
+        </p:spPr>
+      </p:pic>
+      <p:sp>
+        <p:nvSpPr>
+          <p:cNvPr id="4" name="Szövegdoboz 3">
+            <a:extLst>
+              <a:ext uri="{FF2B5EF4-FFF2-40B4-BE49-F238E27FC236}">
+                <a16:creationId xmlns:a16="http://schemas.microsoft.com/office/drawing/2014/main" id="{8C38BBB6-A4D5-FC1B-AA86-AB37621C496A}"/>
+              </a:ext>
+            </a:extLst>
+          </p:cNvPr>
+          <p:cNvSpPr txBox="1"/>
+          <p:nvPr/>
+        </p:nvSpPr>
+        <p:spPr>
+          <a:xfrm>
+            <a:off x="7451925" y="5066458"/>
+            <a:ext cx="1295483" cy="646331"/>
+          </a:xfrm>
+          <a:prstGeom prst="rect">
+            <a:avLst/>
+          </a:prstGeom>
+          <a:noFill/>
+        </p:spPr>
+        <p:txBody>
+          <a:bodyPr wrap="none" rtlCol="0">
+            <a:spAutoFit/>
+          </a:bodyPr>
+          <a:lstStyle/>
+          <a:p>
+            <a:r>
+              <a:rPr lang="es-ES" i="1" dirty="0"/>
+              <a:t>Szent István</a:t>
+            </a:r>
+            <a:endParaRPr lang="hu-HU" i="1" dirty="0"/>
+          </a:p>
+          <a:p>
+            <a:r>
+              <a:rPr lang="es-ES" i="1" dirty="0"/>
+              <a:t>családfája</a:t>
+            </a:r>
+            <a:endParaRPr lang="hu-HU" i="1" dirty="0"/>
           </a:p>
         </p:txBody>
       </p:sp>
